--- a/documentation/Weekly update 3 cooccurance.pptx
+++ b/documentation/Weekly update 3 cooccurance.pptx
@@ -9,6 +9,7 @@
     <p:sldId id="257" r:id="rId3"/>
     <p:sldId id="258" r:id="rId4"/>
     <p:sldId id="259" r:id="rId5"/>
+    <p:sldId id="260" r:id="rId6"/>
   </p:sldIdLst>
   <p:sldSz cx="12192000" cy="6858000"/>
   <p:notesSz cx="6858000" cy="9144000"/>
@@ -172,7 +173,7 @@
           <a:noFill/>
           <a:extLst>
             <a:ext uri="{909E8E84-426E-40dd-AFC4-6F175D3DCCD1}">
-              <a14:hiddenFill xmlns:a14="http://schemas.microsoft.com/office/drawing/2010/main" xmlns="">
+              <a14:hiddenFill xmlns="" xmlns:a14="http://schemas.microsoft.com/office/drawing/2010/main">
                 <a:solidFill>
                   <a:srgbClr val="FFFFFF"/>
                 </a:solidFill>
@@ -231,7 +232,7 @@
             </a:ln>
             <a:extLst>
               <a:ext uri="{91240B29-F687-4f45-9708-019B960494DF}">
-                <a14:hiddenLine xmlns:a14="http://schemas.microsoft.com/office/drawing/2010/main" xmlns="" w="9525">
+                <a14:hiddenLine xmlns="" xmlns:a14="http://schemas.microsoft.com/office/drawing/2010/main" w="9525">
                   <a:solidFill>
                     <a:srgbClr val="000000"/>
                   </a:solidFill>
@@ -321,7 +322,7 @@
             </a:ln>
             <a:extLst>
               <a:ext uri="{91240B29-F687-4f45-9708-019B960494DF}">
-                <a14:hiddenLine xmlns:a14="http://schemas.microsoft.com/office/drawing/2010/main" xmlns="" w="9525">
+                <a14:hiddenLine xmlns="" xmlns:a14="http://schemas.microsoft.com/office/drawing/2010/main" w="9525">
                   <a:solidFill>
                     <a:srgbClr val="000000"/>
                   </a:solidFill>
@@ -411,7 +412,7 @@
             </a:ln>
             <a:extLst>
               <a:ext uri="{91240B29-F687-4f45-9708-019B960494DF}">
-                <a14:hiddenLine xmlns:a14="http://schemas.microsoft.com/office/drawing/2010/main" xmlns="" w="9525">
+                <a14:hiddenLine xmlns="" xmlns:a14="http://schemas.microsoft.com/office/drawing/2010/main" w="9525">
                   <a:solidFill>
                     <a:srgbClr val="000000"/>
                   </a:solidFill>
@@ -445,7 +446,7 @@
             </a:ln>
             <a:extLst>
               <a:ext uri="{91240B29-F687-4f45-9708-019B960494DF}">
-                <a14:hiddenLine xmlns:a14="http://schemas.microsoft.com/office/drawing/2010/main" xmlns="" w="9525">
+                <a14:hiddenLine xmlns="" xmlns:a14="http://schemas.microsoft.com/office/drawing/2010/main" w="9525">
                   <a:solidFill>
                     <a:srgbClr val="000000"/>
                   </a:solidFill>
@@ -535,7 +536,7 @@
             </a:ln>
             <a:extLst>
               <a:ext uri="{91240B29-F687-4f45-9708-019B960494DF}">
-                <a14:hiddenLine xmlns:a14="http://schemas.microsoft.com/office/drawing/2010/main" xmlns="" w="9525">
+                <a14:hiddenLine xmlns="" xmlns:a14="http://schemas.microsoft.com/office/drawing/2010/main" w="9525">
                   <a:solidFill>
                     <a:srgbClr val="000000"/>
                   </a:solidFill>
@@ -597,7 +598,7 @@
             </a:ln>
             <a:extLst>
               <a:ext uri="{91240B29-F687-4f45-9708-019B960494DF}">
-                <a14:hiddenLine xmlns:a14="http://schemas.microsoft.com/office/drawing/2010/main" xmlns="" w="9525">
+                <a14:hiddenLine xmlns="" xmlns:a14="http://schemas.microsoft.com/office/drawing/2010/main" w="9525">
                   <a:solidFill>
                     <a:srgbClr val="000000"/>
                   </a:solidFill>
@@ -659,7 +660,7 @@
             </a:ln>
             <a:extLst>
               <a:ext uri="{91240B29-F687-4f45-9708-019B960494DF}">
-                <a14:hiddenLine xmlns:a14="http://schemas.microsoft.com/office/drawing/2010/main" xmlns="" w="9525">
+                <a14:hiddenLine xmlns="" xmlns:a14="http://schemas.microsoft.com/office/drawing/2010/main" w="9525">
                   <a:solidFill>
                     <a:srgbClr val="000000"/>
                   </a:solidFill>
@@ -749,7 +750,7 @@
             </a:ln>
             <a:extLst>
               <a:ext uri="{91240B29-F687-4f45-9708-019B960494DF}">
-                <a14:hiddenLine xmlns:a14="http://schemas.microsoft.com/office/drawing/2010/main" xmlns="" w="9525">
+                <a14:hiddenLine xmlns="" xmlns:a14="http://schemas.microsoft.com/office/drawing/2010/main" w="9525">
                   <a:solidFill>
                     <a:srgbClr val="000000"/>
                   </a:solidFill>
@@ -811,7 +812,7 @@
             </a:ln>
             <a:extLst>
               <a:ext uri="{91240B29-F687-4f45-9708-019B960494DF}">
-                <a14:hiddenLine xmlns:a14="http://schemas.microsoft.com/office/drawing/2010/main" xmlns="" w="9525">
+                <a14:hiddenLine xmlns="" xmlns:a14="http://schemas.microsoft.com/office/drawing/2010/main" w="9525">
                   <a:solidFill>
                     <a:srgbClr val="000000"/>
                   </a:solidFill>
@@ -873,7 +874,7 @@
             </a:ln>
             <a:extLst>
               <a:ext uri="{91240B29-F687-4f45-9708-019B960494DF}">
-                <a14:hiddenLine xmlns:a14="http://schemas.microsoft.com/office/drawing/2010/main" xmlns="" w="9525">
+                <a14:hiddenLine xmlns="" xmlns:a14="http://schemas.microsoft.com/office/drawing/2010/main" w="9525">
                   <a:solidFill>
                     <a:srgbClr val="000000"/>
                   </a:solidFill>
@@ -963,7 +964,7 @@
             </a:ln>
             <a:extLst>
               <a:ext uri="{91240B29-F687-4f45-9708-019B960494DF}">
-                <a14:hiddenLine xmlns:a14="http://schemas.microsoft.com/office/drawing/2010/main" xmlns="" w="9525">
+                <a14:hiddenLine xmlns="" xmlns:a14="http://schemas.microsoft.com/office/drawing/2010/main" w="9525">
                   <a:solidFill>
                     <a:srgbClr val="000000"/>
                   </a:solidFill>
@@ -1053,7 +1054,7 @@
             </a:ln>
             <a:extLst>
               <a:ext uri="{91240B29-F687-4f45-9708-019B960494DF}">
-                <a14:hiddenLine xmlns:a14="http://schemas.microsoft.com/office/drawing/2010/main" xmlns="" w="9525">
+                <a14:hiddenLine xmlns="" xmlns:a14="http://schemas.microsoft.com/office/drawing/2010/main" w="9525">
                   <a:solidFill>
                     <a:srgbClr val="000000"/>
                   </a:solidFill>
@@ -1115,7 +1116,7 @@
             </a:ln>
             <a:extLst>
               <a:ext uri="{91240B29-F687-4f45-9708-019B960494DF}">
-                <a14:hiddenLine xmlns:a14="http://schemas.microsoft.com/office/drawing/2010/main" xmlns="" w="9525">
+                <a14:hiddenLine xmlns="" xmlns:a14="http://schemas.microsoft.com/office/drawing/2010/main" w="9525">
                   <a:solidFill>
                     <a:srgbClr val="000000"/>
                   </a:solidFill>
@@ -1225,7 +1226,7 @@
             </a:ln>
             <a:extLst>
               <a:ext uri="{91240B29-F687-4f45-9708-019B960494DF}">
-                <a14:hiddenLine xmlns:a14="http://schemas.microsoft.com/office/drawing/2010/main" xmlns="" w="9525">
+                <a14:hiddenLine xmlns="" xmlns:a14="http://schemas.microsoft.com/office/drawing/2010/main" w="9525">
                   <a:solidFill>
                     <a:srgbClr val="000000"/>
                   </a:solidFill>
@@ -1287,7 +1288,7 @@
             </a:ln>
             <a:extLst>
               <a:ext uri="{91240B29-F687-4f45-9708-019B960494DF}">
-                <a14:hiddenLine xmlns:a14="http://schemas.microsoft.com/office/drawing/2010/main" xmlns="" w="9525">
+                <a14:hiddenLine xmlns="" xmlns:a14="http://schemas.microsoft.com/office/drawing/2010/main" w="9525">
                   <a:solidFill>
                     <a:srgbClr val="000000"/>
                   </a:solidFill>
@@ -1377,7 +1378,7 @@
             </a:ln>
             <a:extLst>
               <a:ext uri="{91240B29-F687-4f45-9708-019B960494DF}">
-                <a14:hiddenLine xmlns:a14="http://schemas.microsoft.com/office/drawing/2010/main" xmlns="" w="9525">
+                <a14:hiddenLine xmlns="" xmlns:a14="http://schemas.microsoft.com/office/drawing/2010/main" w="9525">
                   <a:solidFill>
                     <a:srgbClr val="000000"/>
                   </a:solidFill>
@@ -1467,7 +1468,7 @@
             </a:ln>
             <a:extLst>
               <a:ext uri="{91240B29-F687-4f45-9708-019B960494DF}">
-                <a14:hiddenLine xmlns:a14="http://schemas.microsoft.com/office/drawing/2010/main" xmlns="" w="9525">
+                <a14:hiddenLine xmlns="" xmlns:a14="http://schemas.microsoft.com/office/drawing/2010/main" w="9525">
                   <a:solidFill>
                     <a:srgbClr val="000000"/>
                   </a:solidFill>
@@ -1529,7 +1530,7 @@
             </a:ln>
             <a:extLst>
               <a:ext uri="{91240B29-F687-4f45-9708-019B960494DF}">
-                <a14:hiddenLine xmlns:a14="http://schemas.microsoft.com/office/drawing/2010/main" xmlns="" w="9525">
+                <a14:hiddenLine xmlns="" xmlns:a14="http://schemas.microsoft.com/office/drawing/2010/main" w="9525">
                   <a:solidFill>
                     <a:srgbClr val="000000"/>
                   </a:solidFill>
@@ -1619,7 +1620,7 @@
             </a:ln>
             <a:extLst>
               <a:ext uri="{91240B29-F687-4f45-9708-019B960494DF}">
-                <a14:hiddenLine xmlns:a14="http://schemas.microsoft.com/office/drawing/2010/main" xmlns="" w="9525">
+                <a14:hiddenLine xmlns="" xmlns:a14="http://schemas.microsoft.com/office/drawing/2010/main" w="9525">
                   <a:solidFill>
                     <a:srgbClr val="000000"/>
                   </a:solidFill>
@@ -1709,7 +1710,7 @@
             </a:ln>
             <a:extLst>
               <a:ext uri="{91240B29-F687-4f45-9708-019B960494DF}">
-                <a14:hiddenLine xmlns:a14="http://schemas.microsoft.com/office/drawing/2010/main" xmlns="" w="9525">
+                <a14:hiddenLine xmlns="" xmlns:a14="http://schemas.microsoft.com/office/drawing/2010/main" w="9525">
                   <a:solidFill>
                     <a:srgbClr val="000000"/>
                   </a:solidFill>
@@ -1765,7 +1766,7 @@
             </a:ln>
             <a:extLst>
               <a:ext uri="{91240B29-F687-4f45-9708-019B960494DF}">
-                <a14:hiddenLine xmlns:a14="http://schemas.microsoft.com/office/drawing/2010/main" xmlns="" w="9525">
+                <a14:hiddenLine xmlns="" xmlns:a14="http://schemas.microsoft.com/office/drawing/2010/main" w="9525">
                   <a:solidFill>
                     <a:srgbClr val="000000"/>
                   </a:solidFill>
@@ -1855,7 +1856,7 @@
             </a:ln>
             <a:extLst>
               <a:ext uri="{91240B29-F687-4f45-9708-019B960494DF}">
-                <a14:hiddenLine xmlns:a14="http://schemas.microsoft.com/office/drawing/2010/main" xmlns="" w="9525">
+                <a14:hiddenLine xmlns="" xmlns:a14="http://schemas.microsoft.com/office/drawing/2010/main" w="9525">
                   <a:solidFill>
                     <a:srgbClr val="000000"/>
                   </a:solidFill>
@@ -1911,7 +1912,7 @@
             </a:ln>
             <a:extLst>
               <a:ext uri="{91240B29-F687-4f45-9708-019B960494DF}">
-                <a14:hiddenLine xmlns:a14="http://schemas.microsoft.com/office/drawing/2010/main" xmlns="" w="9525">
+                <a14:hiddenLine xmlns="" xmlns:a14="http://schemas.microsoft.com/office/drawing/2010/main" w="9525">
                   <a:solidFill>
                     <a:srgbClr val="000000"/>
                   </a:solidFill>
@@ -2001,7 +2002,7 @@
             </a:ln>
             <a:extLst>
               <a:ext uri="{91240B29-F687-4f45-9708-019B960494DF}">
-                <a14:hiddenLine xmlns:a14="http://schemas.microsoft.com/office/drawing/2010/main" xmlns="" w="9525">
+                <a14:hiddenLine xmlns="" xmlns:a14="http://schemas.microsoft.com/office/drawing/2010/main" w="9525">
                   <a:solidFill>
                     <a:srgbClr val="000000"/>
                   </a:solidFill>
@@ -2069,7 +2070,7 @@
             </a:ln>
             <a:extLst>
               <a:ext uri="{91240B29-F687-4f45-9708-019B960494DF}">
-                <a14:hiddenLine xmlns:a14="http://schemas.microsoft.com/office/drawing/2010/main" xmlns="" w="9525">
+                <a14:hiddenLine xmlns="" xmlns:a14="http://schemas.microsoft.com/office/drawing/2010/main" w="9525">
                   <a:solidFill>
                     <a:srgbClr val="000000"/>
                   </a:solidFill>
@@ -2159,7 +2160,7 @@
             </a:ln>
             <a:extLst>
               <a:ext uri="{91240B29-F687-4f45-9708-019B960494DF}">
-                <a14:hiddenLine xmlns:a14="http://schemas.microsoft.com/office/drawing/2010/main" xmlns="" w="9525">
+                <a14:hiddenLine xmlns="" xmlns:a14="http://schemas.microsoft.com/office/drawing/2010/main" w="9525">
                   <a:solidFill>
                     <a:srgbClr val="000000"/>
                   </a:solidFill>
@@ -2227,7 +2228,7 @@
             </a:ln>
             <a:extLst>
               <a:ext uri="{91240B29-F687-4f45-9708-019B960494DF}">
-                <a14:hiddenLine xmlns:a14="http://schemas.microsoft.com/office/drawing/2010/main" xmlns="" w="9525">
+                <a14:hiddenLine xmlns="" xmlns:a14="http://schemas.microsoft.com/office/drawing/2010/main" w="9525">
                   <a:solidFill>
                     <a:srgbClr val="000000"/>
                   </a:solidFill>
@@ -2317,7 +2318,7 @@
             </a:ln>
             <a:extLst>
               <a:ext uri="{91240B29-F687-4f45-9708-019B960494DF}">
-                <a14:hiddenLine xmlns:a14="http://schemas.microsoft.com/office/drawing/2010/main" xmlns="" w="9525">
+                <a14:hiddenLine xmlns="" xmlns:a14="http://schemas.microsoft.com/office/drawing/2010/main" w="9525">
                   <a:solidFill>
                     <a:srgbClr val="000000"/>
                   </a:solidFill>
@@ -2351,7 +2352,7 @@
             </a:ln>
             <a:extLst>
               <a:ext uri="{91240B29-F687-4f45-9708-019B960494DF}">
-                <a14:hiddenLine xmlns:a14="http://schemas.microsoft.com/office/drawing/2010/main" xmlns="" w="9525">
+                <a14:hiddenLine xmlns="" xmlns:a14="http://schemas.microsoft.com/office/drawing/2010/main" w="9525">
                   <a:solidFill>
                     <a:srgbClr val="000000"/>
                   </a:solidFill>
@@ -2441,7 +2442,7 @@
             </a:ln>
             <a:extLst>
               <a:ext uri="{91240B29-F687-4f45-9708-019B960494DF}">
-                <a14:hiddenLine xmlns:a14="http://schemas.microsoft.com/office/drawing/2010/main" xmlns="" w="9525">
+                <a14:hiddenLine xmlns="" xmlns:a14="http://schemas.microsoft.com/office/drawing/2010/main" w="9525">
                   <a:solidFill>
                     <a:srgbClr val="000000"/>
                   </a:solidFill>
@@ -2503,7 +2504,7 @@
             </a:ln>
             <a:extLst>
               <a:ext uri="{91240B29-F687-4f45-9708-019B960494DF}">
-                <a14:hiddenLine xmlns:a14="http://schemas.microsoft.com/office/drawing/2010/main" xmlns="" w="9525">
+                <a14:hiddenLine xmlns="" xmlns:a14="http://schemas.microsoft.com/office/drawing/2010/main" w="9525">
                   <a:solidFill>
                     <a:srgbClr val="000000"/>
                   </a:solidFill>
@@ -2565,7 +2566,7 @@
             </a:ln>
             <a:extLst>
               <a:ext uri="{91240B29-F687-4f45-9708-019B960494DF}">
-                <a14:hiddenLine xmlns:a14="http://schemas.microsoft.com/office/drawing/2010/main" xmlns="" w="9525">
+                <a14:hiddenLine xmlns="" xmlns:a14="http://schemas.microsoft.com/office/drawing/2010/main" w="9525">
                   <a:solidFill>
                     <a:srgbClr val="000000"/>
                   </a:solidFill>
@@ -2655,7 +2656,7 @@
             </a:ln>
             <a:extLst>
               <a:ext uri="{91240B29-F687-4f45-9708-019B960494DF}">
-                <a14:hiddenLine xmlns:a14="http://schemas.microsoft.com/office/drawing/2010/main" xmlns="" w="9525">
+                <a14:hiddenLine xmlns="" xmlns:a14="http://schemas.microsoft.com/office/drawing/2010/main" w="9525">
                   <a:solidFill>
                     <a:srgbClr val="000000"/>
                   </a:solidFill>
@@ -2723,7 +2724,7 @@
             </a:ln>
             <a:extLst>
               <a:ext uri="{91240B29-F687-4f45-9708-019B960494DF}">
-                <a14:hiddenLine xmlns:a14="http://schemas.microsoft.com/office/drawing/2010/main" xmlns="" w="9525">
+                <a14:hiddenLine xmlns="" xmlns:a14="http://schemas.microsoft.com/office/drawing/2010/main" w="9525">
                   <a:solidFill>
                     <a:srgbClr val="000000"/>
                   </a:solidFill>
@@ -2785,7 +2786,7 @@
             </a:ln>
             <a:extLst>
               <a:ext uri="{91240B29-F687-4f45-9708-019B960494DF}">
-                <a14:hiddenLine xmlns:a14="http://schemas.microsoft.com/office/drawing/2010/main" xmlns="" w="9525">
+                <a14:hiddenLine xmlns="" xmlns:a14="http://schemas.microsoft.com/office/drawing/2010/main" w="9525">
                   <a:solidFill>
                     <a:srgbClr val="000000"/>
                   </a:solidFill>
@@ -2875,7 +2876,7 @@
             </a:ln>
             <a:extLst>
               <a:ext uri="{91240B29-F687-4f45-9708-019B960494DF}">
-                <a14:hiddenLine xmlns:a14="http://schemas.microsoft.com/office/drawing/2010/main" xmlns="" w="9525">
+                <a14:hiddenLine xmlns="" xmlns:a14="http://schemas.microsoft.com/office/drawing/2010/main" w="9525">
                   <a:solidFill>
                     <a:srgbClr val="000000"/>
                   </a:solidFill>
@@ -2937,7 +2938,7 @@
             </a:ln>
             <a:extLst>
               <a:ext uri="{91240B29-F687-4f45-9708-019B960494DF}">
-                <a14:hiddenLine xmlns:a14="http://schemas.microsoft.com/office/drawing/2010/main" xmlns="" w="9525">
+                <a14:hiddenLine xmlns="" xmlns:a14="http://schemas.microsoft.com/office/drawing/2010/main" w="9525">
                   <a:solidFill>
                     <a:srgbClr val="000000"/>
                   </a:solidFill>
@@ -3027,7 +3028,7 @@
             </a:ln>
             <a:extLst>
               <a:ext uri="{91240B29-F687-4f45-9708-019B960494DF}">
-                <a14:hiddenLine xmlns:a14="http://schemas.microsoft.com/office/drawing/2010/main" xmlns="" w="9525">
+                <a14:hiddenLine xmlns="" xmlns:a14="http://schemas.microsoft.com/office/drawing/2010/main" w="9525">
                   <a:solidFill>
                     <a:srgbClr val="000000"/>
                   </a:solidFill>
@@ -3089,7 +3090,7 @@
             </a:ln>
             <a:extLst>
               <a:ext uri="{91240B29-F687-4f45-9708-019B960494DF}">
-                <a14:hiddenLine xmlns:a14="http://schemas.microsoft.com/office/drawing/2010/main" xmlns="" w="9525">
+                <a14:hiddenLine xmlns="" xmlns:a14="http://schemas.microsoft.com/office/drawing/2010/main" w="9525">
                   <a:solidFill>
                     <a:srgbClr val="000000"/>
                   </a:solidFill>
@@ -3179,7 +3180,7 @@
             </a:ln>
             <a:extLst>
               <a:ext uri="{91240B29-F687-4f45-9708-019B960494DF}">
-                <a14:hiddenLine xmlns:a14="http://schemas.microsoft.com/office/drawing/2010/main" xmlns="" w="9525">
+                <a14:hiddenLine xmlns="" xmlns:a14="http://schemas.microsoft.com/office/drawing/2010/main" w="9525">
                   <a:solidFill>
                     <a:srgbClr val="000000"/>
                   </a:solidFill>
@@ -3213,7 +3214,7 @@
             </a:ln>
             <a:extLst>
               <a:ext uri="{91240B29-F687-4f45-9708-019B960494DF}">
-                <a14:hiddenLine xmlns:a14="http://schemas.microsoft.com/office/drawing/2010/main" xmlns="" w="9525">
+                <a14:hiddenLine xmlns="" xmlns:a14="http://schemas.microsoft.com/office/drawing/2010/main" w="9525">
                   <a:solidFill>
                     <a:srgbClr val="000000"/>
                   </a:solidFill>
@@ -3278,7 +3279,7 @@
             </a:ln>
             <a:extLst>
               <a:ext uri="{91240B29-F687-4f45-9708-019B960494DF}">
-                <a14:hiddenLine xmlns:a14="http://schemas.microsoft.com/office/drawing/2010/main" xmlns="" w="9525">
+                <a14:hiddenLine xmlns="" xmlns:a14="http://schemas.microsoft.com/office/drawing/2010/main" w="9525">
                   <a:solidFill>
                     <a:srgbClr val="000000"/>
                   </a:solidFill>
@@ -3368,7 +3369,7 @@
             </a:ln>
             <a:extLst>
               <a:ext uri="{91240B29-F687-4f45-9708-019B960494DF}">
-                <a14:hiddenLine xmlns:a14="http://schemas.microsoft.com/office/drawing/2010/main" xmlns="" w="9525">
+                <a14:hiddenLine xmlns="" xmlns:a14="http://schemas.microsoft.com/office/drawing/2010/main" w="9525">
                   <a:solidFill>
                     <a:srgbClr val="000000"/>
                   </a:solidFill>
@@ -3430,7 +3431,7 @@
             </a:ln>
             <a:extLst>
               <a:ext uri="{91240B29-F687-4f45-9708-019B960494DF}">
-                <a14:hiddenLine xmlns:a14="http://schemas.microsoft.com/office/drawing/2010/main" xmlns="" w="9525">
+                <a14:hiddenLine xmlns="" xmlns:a14="http://schemas.microsoft.com/office/drawing/2010/main" w="9525">
                   <a:solidFill>
                     <a:srgbClr val="000000"/>
                   </a:solidFill>
@@ -3520,7 +3521,7 @@
             </a:ln>
             <a:extLst>
               <a:ext uri="{91240B29-F687-4f45-9708-019B960494DF}">
-                <a14:hiddenLine xmlns:a14="http://schemas.microsoft.com/office/drawing/2010/main" xmlns="" w="9525">
+                <a14:hiddenLine xmlns="" xmlns:a14="http://schemas.microsoft.com/office/drawing/2010/main" w="9525">
                   <a:solidFill>
                     <a:srgbClr val="000000"/>
                   </a:solidFill>
@@ -3610,7 +3611,7 @@
             </a:ln>
             <a:extLst>
               <a:ext uri="{91240B29-F687-4f45-9708-019B960494DF}">
-                <a14:hiddenLine xmlns:a14="http://schemas.microsoft.com/office/drawing/2010/main" xmlns="" w="9525">
+                <a14:hiddenLine xmlns="" xmlns:a14="http://schemas.microsoft.com/office/drawing/2010/main" w="9525">
                   <a:solidFill>
                     <a:srgbClr val="000000"/>
                   </a:solidFill>
@@ -3675,7 +3676,7 @@
             </a:ln>
             <a:extLst>
               <a:ext uri="{91240B29-F687-4f45-9708-019B960494DF}">
-                <a14:hiddenLine xmlns:a14="http://schemas.microsoft.com/office/drawing/2010/main" xmlns="" w="9525">
+                <a14:hiddenLine xmlns="" xmlns:a14="http://schemas.microsoft.com/office/drawing/2010/main" w="9525">
                   <a:solidFill>
                     <a:srgbClr val="000000"/>
                   </a:solidFill>
@@ -3737,7 +3738,7 @@
             </a:ln>
             <a:extLst>
               <a:ext uri="{91240B29-F687-4f45-9708-019B960494DF}">
-                <a14:hiddenLine xmlns:a14="http://schemas.microsoft.com/office/drawing/2010/main" xmlns="" w="9525">
+                <a14:hiddenLine xmlns="" xmlns:a14="http://schemas.microsoft.com/office/drawing/2010/main" w="9525">
                   <a:solidFill>
                     <a:srgbClr val="000000"/>
                   </a:solidFill>
@@ -3827,7 +3828,7 @@
             </a:ln>
             <a:extLst>
               <a:ext uri="{91240B29-F687-4f45-9708-019B960494DF}">
-                <a14:hiddenLine xmlns:a14="http://schemas.microsoft.com/office/drawing/2010/main" xmlns="" w="9525">
+                <a14:hiddenLine xmlns="" xmlns:a14="http://schemas.microsoft.com/office/drawing/2010/main" w="9525">
                   <a:solidFill>
                     <a:srgbClr val="000000"/>
                   </a:solidFill>
@@ -3917,7 +3918,7 @@
             </a:ln>
             <a:extLst>
               <a:ext uri="{91240B29-F687-4f45-9708-019B960494DF}">
-                <a14:hiddenLine xmlns:a14="http://schemas.microsoft.com/office/drawing/2010/main" xmlns="" w="9525">
+                <a14:hiddenLine xmlns="" xmlns:a14="http://schemas.microsoft.com/office/drawing/2010/main" w="9525">
                   <a:solidFill>
                     <a:srgbClr val="000000"/>
                   </a:solidFill>
@@ -3979,7 +3980,7 @@
             </a:ln>
             <a:extLst>
               <a:ext uri="{91240B29-F687-4f45-9708-019B960494DF}">
-                <a14:hiddenLine xmlns:a14="http://schemas.microsoft.com/office/drawing/2010/main" xmlns="" w="9525">
+                <a14:hiddenLine xmlns="" xmlns:a14="http://schemas.microsoft.com/office/drawing/2010/main" w="9525">
                   <a:solidFill>
                     <a:srgbClr val="000000"/>
                   </a:solidFill>
@@ -4099,7 +4100,7 @@
             </a:ln>
             <a:extLst>
               <a:ext uri="{91240B29-F687-4f45-9708-019B960494DF}">
-                <a14:hiddenLine xmlns:a14="http://schemas.microsoft.com/office/drawing/2010/main" xmlns="" w="9525">
+                <a14:hiddenLine xmlns="" xmlns:a14="http://schemas.microsoft.com/office/drawing/2010/main" w="9525">
                   <a:solidFill>
                     <a:srgbClr val="000000"/>
                   </a:solidFill>
@@ -4167,7 +4168,7 @@
             </a:ln>
             <a:extLst>
               <a:ext uri="{91240B29-F687-4f45-9708-019B960494DF}">
-                <a14:hiddenLine xmlns:a14="http://schemas.microsoft.com/office/drawing/2010/main" xmlns="" w="9525">
+                <a14:hiddenLine xmlns="" xmlns:a14="http://schemas.microsoft.com/office/drawing/2010/main" w="9525">
                   <a:solidFill>
                     <a:srgbClr val="000000"/>
                   </a:solidFill>
@@ -4257,7 +4258,7 @@
             </a:ln>
             <a:extLst>
               <a:ext uri="{91240B29-F687-4f45-9708-019B960494DF}">
-                <a14:hiddenLine xmlns:a14="http://schemas.microsoft.com/office/drawing/2010/main" xmlns="" w="9525">
+                <a14:hiddenLine xmlns="" xmlns:a14="http://schemas.microsoft.com/office/drawing/2010/main" w="9525">
                   <a:solidFill>
                     <a:srgbClr val="000000"/>
                   </a:solidFill>
@@ -8986,7 +8987,7 @@
           <a:noFill/>
           <a:extLst>
             <a:ext uri="{909E8E84-426E-40dd-AFC4-6F175D3DCCD1}">
-              <a14:hiddenFill xmlns:a14="http://schemas.microsoft.com/office/drawing/2010/main" xmlns="">
+              <a14:hiddenFill xmlns="" xmlns:a14="http://schemas.microsoft.com/office/drawing/2010/main">
                 <a:solidFill>
                   <a:srgbClr val="FFFFFF"/>
                 </a:solidFill>
@@ -9060,7 +9061,7 @@
               </a:ln>
               <a:extLst>
                 <a:ext uri="{91240B29-F687-4f45-9708-019B960494DF}">
-                  <a14:hiddenLine xmlns:a14="http://schemas.microsoft.com/office/drawing/2010/main" xmlns="" w="9525">
+                  <a14:hiddenLine xmlns="" xmlns:a14="http://schemas.microsoft.com/office/drawing/2010/main" w="9525">
                     <a:solidFill>
                       <a:srgbClr val="000000"/>
                     </a:solidFill>
@@ -9150,7 +9151,7 @@
               </a:ln>
               <a:extLst>
                 <a:ext uri="{91240B29-F687-4f45-9708-019B960494DF}">
-                  <a14:hiddenLine xmlns:a14="http://schemas.microsoft.com/office/drawing/2010/main" xmlns="" w="9525">
+                  <a14:hiddenLine xmlns="" xmlns:a14="http://schemas.microsoft.com/office/drawing/2010/main" w="9525">
                     <a:solidFill>
                       <a:srgbClr val="000000"/>
                     </a:solidFill>
@@ -9240,7 +9241,7 @@
               </a:ln>
               <a:extLst>
                 <a:ext uri="{91240B29-F687-4f45-9708-019B960494DF}">
-                  <a14:hiddenLine xmlns:a14="http://schemas.microsoft.com/office/drawing/2010/main" xmlns="" w="9525">
+                  <a14:hiddenLine xmlns="" xmlns:a14="http://schemas.microsoft.com/office/drawing/2010/main" w="9525">
                     <a:solidFill>
                       <a:srgbClr val="000000"/>
                     </a:solidFill>
@@ -9302,7 +9303,7 @@
               </a:ln>
               <a:extLst>
                 <a:ext uri="{91240B29-F687-4f45-9708-019B960494DF}">
-                  <a14:hiddenLine xmlns:a14="http://schemas.microsoft.com/office/drawing/2010/main" xmlns="" w="9525">
+                  <a14:hiddenLine xmlns="" xmlns:a14="http://schemas.microsoft.com/office/drawing/2010/main" w="9525">
                     <a:solidFill>
                       <a:srgbClr val="000000"/>
                     </a:solidFill>
@@ -9392,7 +9393,7 @@
               </a:ln>
               <a:extLst>
                 <a:ext uri="{91240B29-F687-4f45-9708-019B960494DF}">
-                  <a14:hiddenLine xmlns:a14="http://schemas.microsoft.com/office/drawing/2010/main" xmlns="" w="9525">
+                  <a14:hiddenLine xmlns="" xmlns:a14="http://schemas.microsoft.com/office/drawing/2010/main" w="9525">
                     <a:solidFill>
                       <a:srgbClr val="000000"/>
                     </a:solidFill>
@@ -9454,7 +9455,7 @@
               </a:ln>
               <a:extLst>
                 <a:ext uri="{91240B29-F687-4f45-9708-019B960494DF}">
-                  <a14:hiddenLine xmlns:a14="http://schemas.microsoft.com/office/drawing/2010/main" xmlns="" w="9525">
+                  <a14:hiddenLine xmlns="" xmlns:a14="http://schemas.microsoft.com/office/drawing/2010/main" w="9525">
                     <a:solidFill>
                       <a:srgbClr val="000000"/>
                     </a:solidFill>
@@ -9516,7 +9517,7 @@
               </a:ln>
               <a:extLst>
                 <a:ext uri="{91240B29-F687-4f45-9708-019B960494DF}">
-                  <a14:hiddenLine xmlns:a14="http://schemas.microsoft.com/office/drawing/2010/main" xmlns="" w="9525">
+                  <a14:hiddenLine xmlns="" xmlns:a14="http://schemas.microsoft.com/office/drawing/2010/main" w="9525">
                     <a:solidFill>
                       <a:srgbClr val="000000"/>
                     </a:solidFill>
@@ -9606,7 +9607,7 @@
               </a:ln>
               <a:extLst>
                 <a:ext uri="{91240B29-F687-4f45-9708-019B960494DF}">
-                  <a14:hiddenLine xmlns:a14="http://schemas.microsoft.com/office/drawing/2010/main" xmlns="" w="9525">
+                  <a14:hiddenLine xmlns="" xmlns:a14="http://schemas.microsoft.com/office/drawing/2010/main" w="9525">
                     <a:solidFill>
                       <a:srgbClr val="000000"/>
                     </a:solidFill>
@@ -9696,7 +9697,7 @@
               </a:ln>
               <a:extLst>
                 <a:ext uri="{91240B29-F687-4f45-9708-019B960494DF}">
-                  <a14:hiddenLine xmlns:a14="http://schemas.microsoft.com/office/drawing/2010/main" xmlns="" w="9525">
+                  <a14:hiddenLine xmlns="" xmlns:a14="http://schemas.microsoft.com/office/drawing/2010/main" w="9525">
                     <a:solidFill>
                       <a:srgbClr val="000000"/>
                     </a:solidFill>
@@ -9758,7 +9759,7 @@
               </a:ln>
               <a:extLst>
                 <a:ext uri="{91240B29-F687-4f45-9708-019B960494DF}">
-                  <a14:hiddenLine xmlns:a14="http://schemas.microsoft.com/office/drawing/2010/main" xmlns="" w="9525">
+                  <a14:hiddenLine xmlns="" xmlns:a14="http://schemas.microsoft.com/office/drawing/2010/main" w="9525">
                     <a:solidFill>
                       <a:srgbClr val="000000"/>
                     </a:solidFill>
@@ -9868,7 +9869,7 @@
               </a:ln>
               <a:extLst>
                 <a:ext uri="{91240B29-F687-4f45-9708-019B960494DF}">
-                  <a14:hiddenLine xmlns:a14="http://schemas.microsoft.com/office/drawing/2010/main" xmlns="" w="9525">
+                  <a14:hiddenLine xmlns="" xmlns:a14="http://schemas.microsoft.com/office/drawing/2010/main" w="9525">
                     <a:solidFill>
                       <a:srgbClr val="000000"/>
                     </a:solidFill>
@@ -9952,7 +9953,7 @@
               </a:ln>
               <a:extLst>
                 <a:ext uri="{91240B29-F687-4f45-9708-019B960494DF}">
-                  <a14:hiddenLine xmlns:a14="http://schemas.microsoft.com/office/drawing/2010/main" xmlns="" w="9525">
+                  <a14:hiddenLine xmlns="" xmlns:a14="http://schemas.microsoft.com/office/drawing/2010/main" w="9525">
                     <a:solidFill>
                       <a:srgbClr val="000000"/>
                     </a:solidFill>
@@ -10014,7 +10015,7 @@
               </a:ln>
               <a:extLst>
                 <a:ext uri="{91240B29-F687-4f45-9708-019B960494DF}">
-                  <a14:hiddenLine xmlns:a14="http://schemas.microsoft.com/office/drawing/2010/main" xmlns="" w="9525">
+                  <a14:hiddenLine xmlns="" xmlns:a14="http://schemas.microsoft.com/office/drawing/2010/main" w="9525">
                     <a:solidFill>
                       <a:srgbClr val="000000"/>
                     </a:solidFill>
@@ -10076,7 +10077,7 @@
               </a:ln>
               <a:extLst>
                 <a:ext uri="{91240B29-F687-4f45-9708-019B960494DF}">
-                  <a14:hiddenLine xmlns:a14="http://schemas.microsoft.com/office/drawing/2010/main" xmlns="" w="9525">
+                  <a14:hiddenLine xmlns="" xmlns:a14="http://schemas.microsoft.com/office/drawing/2010/main" w="9525">
                     <a:solidFill>
                       <a:srgbClr val="000000"/>
                     </a:solidFill>
@@ -10166,7 +10167,7 @@
               </a:ln>
               <a:extLst>
                 <a:ext uri="{91240B29-F687-4f45-9708-019B960494DF}">
-                  <a14:hiddenLine xmlns:a14="http://schemas.microsoft.com/office/drawing/2010/main" xmlns="" w="9525">
+                  <a14:hiddenLine xmlns="" xmlns:a14="http://schemas.microsoft.com/office/drawing/2010/main" w="9525">
                     <a:solidFill>
                       <a:srgbClr val="000000"/>
                     </a:solidFill>
@@ -10200,7 +10201,7 @@
               </a:ln>
               <a:extLst>
                 <a:ext uri="{91240B29-F687-4f45-9708-019B960494DF}">
-                  <a14:hiddenLine xmlns:a14="http://schemas.microsoft.com/office/drawing/2010/main" xmlns="" w="9525">
+                  <a14:hiddenLine xmlns="" xmlns:a14="http://schemas.microsoft.com/office/drawing/2010/main" w="9525">
                     <a:solidFill>
                       <a:srgbClr val="000000"/>
                     </a:solidFill>
@@ -10265,7 +10266,7 @@
               </a:ln>
               <a:extLst>
                 <a:ext uri="{91240B29-F687-4f45-9708-019B960494DF}">
-                  <a14:hiddenLine xmlns:a14="http://schemas.microsoft.com/office/drawing/2010/main" xmlns="" w="9525">
+                  <a14:hiddenLine xmlns="" xmlns:a14="http://schemas.microsoft.com/office/drawing/2010/main" w="9525">
                     <a:solidFill>
                       <a:srgbClr val="000000"/>
                     </a:solidFill>
@@ -10355,7 +10356,7 @@
               </a:ln>
               <a:extLst>
                 <a:ext uri="{91240B29-F687-4f45-9708-019B960494DF}">
-                  <a14:hiddenLine xmlns:a14="http://schemas.microsoft.com/office/drawing/2010/main" xmlns="" w="9525">
+                  <a14:hiddenLine xmlns="" xmlns:a14="http://schemas.microsoft.com/office/drawing/2010/main" w="9525">
                     <a:solidFill>
                       <a:srgbClr val="000000"/>
                     </a:solidFill>
@@ -10417,7 +10418,7 @@
               </a:ln>
               <a:extLst>
                 <a:ext uri="{91240B29-F687-4f45-9708-019B960494DF}">
-                  <a14:hiddenLine xmlns:a14="http://schemas.microsoft.com/office/drawing/2010/main" xmlns="" w="9525">
+                  <a14:hiddenLine xmlns="" xmlns:a14="http://schemas.microsoft.com/office/drawing/2010/main" w="9525">
                     <a:solidFill>
                       <a:srgbClr val="000000"/>
                     </a:solidFill>
@@ -10507,7 +10508,7 @@
               </a:ln>
               <a:extLst>
                 <a:ext uri="{91240B29-F687-4f45-9708-019B960494DF}">
-                  <a14:hiddenLine xmlns:a14="http://schemas.microsoft.com/office/drawing/2010/main" xmlns="" w="9525">
+                  <a14:hiddenLine xmlns="" xmlns:a14="http://schemas.microsoft.com/office/drawing/2010/main" w="9525">
                     <a:solidFill>
                       <a:srgbClr val="000000"/>
                     </a:solidFill>
@@ -10572,7 +10573,7 @@
               </a:ln>
               <a:extLst>
                 <a:ext uri="{91240B29-F687-4f45-9708-019B960494DF}">
-                  <a14:hiddenLine xmlns:a14="http://schemas.microsoft.com/office/drawing/2010/main" xmlns="" w="9525">
+                  <a14:hiddenLine xmlns="" xmlns:a14="http://schemas.microsoft.com/office/drawing/2010/main" w="9525">
                     <a:solidFill>
                       <a:srgbClr val="000000"/>
                     </a:solidFill>
@@ -10634,7 +10635,7 @@
               </a:ln>
               <a:extLst>
                 <a:ext uri="{91240B29-F687-4f45-9708-019B960494DF}">
-                  <a14:hiddenLine xmlns:a14="http://schemas.microsoft.com/office/drawing/2010/main" xmlns="" w="9525">
+                  <a14:hiddenLine xmlns="" xmlns:a14="http://schemas.microsoft.com/office/drawing/2010/main" w="9525">
                     <a:solidFill>
                       <a:srgbClr val="000000"/>
                     </a:solidFill>
@@ -10724,7 +10725,7 @@
               </a:ln>
               <a:extLst>
                 <a:ext uri="{91240B29-F687-4f45-9708-019B960494DF}">
-                  <a14:hiddenLine xmlns:a14="http://schemas.microsoft.com/office/drawing/2010/main" xmlns="" w="9525">
+                  <a14:hiddenLine xmlns="" xmlns:a14="http://schemas.microsoft.com/office/drawing/2010/main" w="9525">
                     <a:solidFill>
                       <a:srgbClr val="000000"/>
                     </a:solidFill>
@@ -10814,7 +10815,7 @@
               </a:ln>
               <a:extLst>
                 <a:ext uri="{91240B29-F687-4f45-9708-019B960494DF}">
-                  <a14:hiddenLine xmlns:a14="http://schemas.microsoft.com/office/drawing/2010/main" xmlns="" w="9525">
+                  <a14:hiddenLine xmlns="" xmlns:a14="http://schemas.microsoft.com/office/drawing/2010/main" w="9525">
                     <a:solidFill>
                       <a:srgbClr val="000000"/>
                     </a:solidFill>
@@ -10879,7 +10880,7 @@
               </a:ln>
               <a:extLst>
                 <a:ext uri="{91240B29-F687-4f45-9708-019B960494DF}">
-                  <a14:hiddenLine xmlns:a14="http://schemas.microsoft.com/office/drawing/2010/main" xmlns="" w="9525">
+                  <a14:hiddenLine xmlns="" xmlns:a14="http://schemas.microsoft.com/office/drawing/2010/main" w="9525">
                     <a:solidFill>
                       <a:srgbClr val="000000"/>
                     </a:solidFill>
@@ -10999,7 +11000,7 @@
               </a:ln>
               <a:extLst>
                 <a:ext uri="{91240B29-F687-4f45-9708-019B960494DF}">
-                  <a14:hiddenLine xmlns:a14="http://schemas.microsoft.com/office/drawing/2010/main" xmlns="" w="9525">
+                  <a14:hiddenLine xmlns="" xmlns:a14="http://schemas.microsoft.com/office/drawing/2010/main" w="9525">
                     <a:solidFill>
                       <a:srgbClr val="000000"/>
                     </a:solidFill>
@@ -11080,7 +11081,7 @@
               </a:ln>
               <a:extLst>
                 <a:ext uri="{91240B29-F687-4f45-9708-019B960494DF}">
-                  <a14:hiddenLine xmlns:a14="http://schemas.microsoft.com/office/drawing/2010/main" xmlns="" w="9525">
+                  <a14:hiddenLine xmlns="" xmlns:a14="http://schemas.microsoft.com/office/drawing/2010/main" w="9525">
                     <a:solidFill>
                       <a:srgbClr val="000000"/>
                     </a:solidFill>
@@ -11195,7 +11196,7 @@
               </a:ln>
               <a:extLst>
                 <a:ext uri="{91240B29-F687-4f45-9708-019B960494DF}">
-                  <a14:hiddenLine xmlns:a14="http://schemas.microsoft.com/office/drawing/2010/main" xmlns="" w="9525">
+                  <a14:hiddenLine xmlns="" xmlns:a14="http://schemas.microsoft.com/office/drawing/2010/main" w="9525">
                     <a:solidFill>
                       <a:srgbClr val="000000"/>
                     </a:solidFill>
@@ -11285,7 +11286,7 @@
               </a:ln>
               <a:extLst>
                 <a:ext uri="{91240B29-F687-4f45-9708-019B960494DF}">
-                  <a14:hiddenLine xmlns:a14="http://schemas.microsoft.com/office/drawing/2010/main" xmlns="" w="9525">
+                  <a14:hiddenLine xmlns="" xmlns:a14="http://schemas.microsoft.com/office/drawing/2010/main" w="9525">
                     <a:solidFill>
                       <a:srgbClr val="000000"/>
                     </a:solidFill>
@@ -11350,7 +11351,7 @@
               </a:ln>
               <a:extLst>
                 <a:ext uri="{91240B29-F687-4f45-9708-019B960494DF}">
-                  <a14:hiddenLine xmlns:a14="http://schemas.microsoft.com/office/drawing/2010/main" xmlns="" w="9525">
+                  <a14:hiddenLine xmlns="" xmlns:a14="http://schemas.microsoft.com/office/drawing/2010/main" w="9525">
                     <a:solidFill>
                       <a:srgbClr val="000000"/>
                     </a:solidFill>
@@ -11440,7 +11441,7 @@
               </a:ln>
               <a:extLst>
                 <a:ext uri="{91240B29-F687-4f45-9708-019B960494DF}">
-                  <a14:hiddenLine xmlns:a14="http://schemas.microsoft.com/office/drawing/2010/main" xmlns="" w="9525">
+                  <a14:hiddenLine xmlns="" xmlns:a14="http://schemas.microsoft.com/office/drawing/2010/main" w="9525">
                     <a:solidFill>
                       <a:srgbClr val="000000"/>
                     </a:solidFill>
@@ -11508,7 +11509,7 @@
               </a:ln>
               <a:extLst>
                 <a:ext uri="{91240B29-F687-4f45-9708-019B960494DF}">
-                  <a14:hiddenLine xmlns:a14="http://schemas.microsoft.com/office/drawing/2010/main" xmlns="" w="9525">
+                  <a14:hiddenLine xmlns="" xmlns:a14="http://schemas.microsoft.com/office/drawing/2010/main" w="9525">
                     <a:solidFill>
                       <a:srgbClr val="000000"/>
                     </a:solidFill>
@@ -11598,7 +11599,7 @@
               </a:ln>
               <a:extLst>
                 <a:ext uri="{91240B29-F687-4f45-9708-019B960494DF}">
-                  <a14:hiddenLine xmlns:a14="http://schemas.microsoft.com/office/drawing/2010/main" xmlns="" w="9525">
+                  <a14:hiddenLine xmlns="" xmlns:a14="http://schemas.microsoft.com/office/drawing/2010/main" w="9525">
                     <a:solidFill>
                       <a:srgbClr val="000000"/>
                     </a:solidFill>
@@ -11666,7 +11667,7 @@
               </a:ln>
               <a:extLst>
                 <a:ext uri="{91240B29-F687-4f45-9708-019B960494DF}">
-                  <a14:hiddenLine xmlns:a14="http://schemas.microsoft.com/office/drawing/2010/main" xmlns="" w="9525">
+                  <a14:hiddenLine xmlns="" xmlns:a14="http://schemas.microsoft.com/office/drawing/2010/main" w="9525">
                     <a:solidFill>
                       <a:srgbClr val="000000"/>
                     </a:solidFill>
@@ -11756,7 +11757,7 @@
               </a:ln>
               <a:extLst>
                 <a:ext uri="{91240B29-F687-4f45-9708-019B960494DF}">
-                  <a14:hiddenLine xmlns:a14="http://schemas.microsoft.com/office/drawing/2010/main" xmlns="" w="9525">
+                  <a14:hiddenLine xmlns="" xmlns:a14="http://schemas.microsoft.com/office/drawing/2010/main" w="9525">
                     <a:solidFill>
                       <a:srgbClr val="000000"/>
                     </a:solidFill>
@@ -11790,7 +11791,7 @@
               </a:ln>
               <a:extLst>
                 <a:ext uri="{91240B29-F687-4f45-9708-019B960494DF}">
-                  <a14:hiddenLine xmlns:a14="http://schemas.microsoft.com/office/drawing/2010/main" xmlns="" w="9525">
+                  <a14:hiddenLine xmlns="" xmlns:a14="http://schemas.microsoft.com/office/drawing/2010/main" w="9525">
                     <a:solidFill>
                       <a:srgbClr val="000000"/>
                     </a:solidFill>
@@ -12683,7 +12684,7 @@
           <a:graphicData uri="http://schemas.openxmlformats.org/presentationml/2006/ole">
             <mc:AlternateContent xmlns:mc="http://schemas.openxmlformats.org/markup-compatibility/2006">
               <mc:Choice xmlns:v="urn:schemas-microsoft-com:vml" Requires="v">
-                <p:oleObj spid="_x0000_s1027" name="Worksheet" r:id="rId3" imgW="7321420" imgH="3873315" progId="Excel.Sheet.12">
+                <p:oleObj spid="_x0000_s1028" name="Worksheet" r:id="rId3" imgW="7321420" imgH="3873315" progId="Excel.Sheet.12">
                   <p:embed/>
                 </p:oleObj>
               </mc:Choice>
@@ -14994,6 +14995,124 @@
 </p:sld>
 </file>
 
+<file path=ppt/slides/slide5.xml><?xml version="1.0" encoding="utf-8"?>
+<p:sld xmlns:a="http://schemas.openxmlformats.org/drawingml/2006/main" xmlns:r="http://schemas.openxmlformats.org/officeDocument/2006/relationships" xmlns:p="http://schemas.openxmlformats.org/presentationml/2006/main">
+  <p:cSld>
+    <p:spTree>
+      <p:nvGrpSpPr>
+        <p:cNvPr id="1" name=""/>
+        <p:cNvGrpSpPr/>
+        <p:nvPr/>
+      </p:nvGrpSpPr>
+      <p:grpSpPr>
+        <a:xfrm>
+          <a:off x="0" y="0"/>
+          <a:ext cx="0" cy="0"/>
+          <a:chOff x="0" y="0"/>
+          <a:chExt cx="0" cy="0"/>
+        </a:xfrm>
+      </p:grpSpPr>
+      <p:sp>
+        <p:nvSpPr>
+          <p:cNvPr id="2" name="Title 1">
+            <a:extLst>
+              <a:ext uri="{FF2B5EF4-FFF2-40B4-BE49-F238E27FC236}">
+                <a16:creationId xmlns:a16="http://schemas.microsoft.com/office/drawing/2014/main" id="{B1E86091-3F3F-43D0-83A5-E4D6119BC471}"/>
+              </a:ext>
+            </a:extLst>
+          </p:cNvPr>
+          <p:cNvSpPr>
+            <a:spLocks noGrp="1"/>
+          </p:cNvSpPr>
+          <p:nvPr>
+            <p:ph type="title"/>
+          </p:nvPr>
+        </p:nvSpPr>
+        <p:spPr>
+          <a:xfrm>
+            <a:off x="1141413" y="618518"/>
+            <a:ext cx="9905998" cy="1478570"/>
+          </a:xfrm>
+        </p:spPr>
+        <p:txBody>
+          <a:bodyPr/>
+          <a:lstStyle/>
+          <a:p>
+            <a:endParaRPr lang="en-US"/>
+          </a:p>
+        </p:txBody>
+      </p:sp>
+      <p:pic>
+        <p:nvPicPr>
+          <p:cNvPr id="5" name="Content Placeholder 4" descr="A screenshot of a cell phone&#10;&#10;Description generated with high confidence">
+            <a:extLst>
+              <a:ext uri="{FF2B5EF4-FFF2-40B4-BE49-F238E27FC236}">
+                <a16:creationId xmlns:a16="http://schemas.microsoft.com/office/drawing/2014/main" id="{CD3FE92E-FF6B-4098-9D30-2315F9E026FF}"/>
+              </a:ext>
+            </a:extLst>
+          </p:cNvPr>
+          <p:cNvPicPr>
+            <a:picLocks noGrp="1" noChangeAspect="1"/>
+          </p:cNvPicPr>
+          <p:nvPr>
+            <p:ph idx="1"/>
+          </p:nvPr>
+        </p:nvPicPr>
+        <p:blipFill>
+          <a:blip r:embed="rId2"/>
+          <a:stretch>
+            <a:fillRect/>
+          </a:stretch>
+        </p:blipFill>
+        <p:spPr>
+          <a:xfrm>
+            <a:off x="6250385" y="1794602"/>
+            <a:ext cx="5941615" cy="3855166"/>
+          </a:xfrm>
+        </p:spPr>
+      </p:pic>
+      <p:pic>
+        <p:nvPicPr>
+          <p:cNvPr id="7" name="Picture 6" descr="A screenshot of a cell phone&#10;&#10;Description generated with high confidence">
+            <a:extLst>
+              <a:ext uri="{FF2B5EF4-FFF2-40B4-BE49-F238E27FC236}">
+                <a16:creationId xmlns:a16="http://schemas.microsoft.com/office/drawing/2014/main" id="{2AF2D1CA-E0FC-43E3-9327-043424B84F69}"/>
+              </a:ext>
+            </a:extLst>
+          </p:cNvPr>
+          <p:cNvPicPr>
+            <a:picLocks noChangeAspect="1"/>
+          </p:cNvPicPr>
+          <p:nvPr/>
+        </p:nvPicPr>
+        <p:blipFill rotWithShape="1">
+          <a:blip r:embed="rId3"/>
+          <a:srcRect r="2511"/>
+          <a:stretch/>
+        </p:blipFill>
+        <p:spPr>
+          <a:xfrm>
+            <a:off x="-51393" y="1790103"/>
+            <a:ext cx="5993009" cy="3859665"/>
+          </a:xfrm>
+          <a:prstGeom prst="rect">
+            <a:avLst/>
+          </a:prstGeom>
+        </p:spPr>
+      </p:pic>
+    </p:spTree>
+    <p:extLst>
+      <p:ext uri="{BB962C8B-B14F-4D97-AF65-F5344CB8AC3E}">
+        <p14:creationId xmlns:p14="http://schemas.microsoft.com/office/powerpoint/2010/main" val="3207976530"/>
+      </p:ext>
+    </p:extLst>
+  </p:cSld>
+  <p:clrMapOvr>
+    <a:masterClrMapping/>
+  </p:clrMapOvr>
+</p:sld>
+</file>
+
 <file path=ppt/theme/theme1.xml><?xml version="1.0" encoding="utf-8"?>
 <a:theme xmlns:a="http://schemas.openxmlformats.org/drawingml/2006/main" name="Circuit">
   <a:themeElements>
